--- a/pyworks/python_ppt/Python 3장. 제어문(조건, 반복).pptx
+++ b/pyworks/python_ppt/Python 3장. 제어문(조건, 반복).pptx
@@ -244,7 +244,7 @@
           <a:p>
             <a:fld id="{7665CDAC-D627-4E87-877A-1B781DD4CADC}" type="datetimeFigureOut">
               <a:rPr lang="ko-KR" altLang="en-US" smtClean="0"/>
-              <a:t>2023-04-20</a:t>
+              <a:t>2023-04-01</a:t>
             </a:fld>
             <a:endParaRPr lang="ko-KR" altLang="en-US"/>
           </a:p>
@@ -656,7 +656,7 @@
           <a:p>
             <a:fld id="{C25BCFD5-C4DF-4EBC-B718-C69ED2FBDE6F}" type="datetime1">
               <a:rPr lang="ko-KR" altLang="en-US" smtClean="0"/>
-              <a:t>2023-04-20</a:t>
+              <a:t>2023-04-01</a:t>
             </a:fld>
             <a:endParaRPr lang="ko-KR" altLang="en-US"/>
           </a:p>
@@ -1107,7 +1107,7 @@
           <a:p>
             <a:fld id="{AB448CD7-D367-43D5-B461-ACE552E75063}" type="datetime1">
               <a:rPr lang="ko-KR" altLang="en-US" smtClean="0"/>
-              <a:t>2023-04-20</a:t>
+              <a:t>2023-04-01</a:t>
             </a:fld>
             <a:endParaRPr lang="ko-KR" altLang="en-US"/>
           </a:p>
@@ -1285,7 +1285,7 @@
           <a:p>
             <a:fld id="{B6E49E79-7361-4780-8BEF-7EDE3708298A}" type="datetime1">
               <a:rPr lang="ko-KR" altLang="en-US" smtClean="0"/>
-              <a:t>2023-04-20</a:t>
+              <a:t>2023-04-01</a:t>
             </a:fld>
             <a:endParaRPr lang="ko-KR" altLang="en-US"/>
           </a:p>
@@ -1457,7 +1457,7 @@
           <a:p>
             <a:fld id="{A4D42E3C-B70B-437C-85CF-1286301B9CBA}" type="datetime1">
               <a:rPr lang="ko-KR" altLang="en-US" smtClean="0"/>
-              <a:t>2023-04-20</a:t>
+              <a:t>2023-04-01</a:t>
             </a:fld>
             <a:endParaRPr lang="ko-KR" altLang="en-US"/>
           </a:p>
@@ -1709,7 +1709,7 @@
           <a:p>
             <a:fld id="{B3369A20-5B3D-4D98-A822-26B93D177A40}" type="datetime1">
               <a:rPr lang="ko-KR" altLang="en-US" smtClean="0"/>
-              <a:t>2023-04-20</a:t>
+              <a:t>2023-04-01</a:t>
             </a:fld>
             <a:endParaRPr lang="ko-KR" altLang="en-US"/>
           </a:p>
@@ -1994,7 +1994,7 @@
           <a:p>
             <a:fld id="{685CD4CE-9E43-4F70-A9D8-A2130CA7D92A}" type="datetime1">
               <a:rPr lang="ko-KR" altLang="en-US" smtClean="0"/>
-              <a:t>2023-04-20</a:t>
+              <a:t>2023-04-01</a:t>
             </a:fld>
             <a:endParaRPr lang="ko-KR" altLang="en-US"/>
           </a:p>
@@ -2420,7 +2420,7 @@
           <a:p>
             <a:fld id="{F752BD92-DA3E-4A0B-90C9-7DE5E15B6E96}" type="datetime1">
               <a:rPr lang="ko-KR" altLang="en-US" smtClean="0"/>
-              <a:t>2023-04-20</a:t>
+              <a:t>2023-04-01</a:t>
             </a:fld>
             <a:endParaRPr lang="ko-KR" altLang="en-US"/>
           </a:p>
@@ -2544,7 +2544,7 @@
           <a:p>
             <a:fld id="{8EA2B83A-F366-424E-B742-340ACF856BB5}" type="datetime1">
               <a:rPr lang="ko-KR" altLang="en-US" smtClean="0"/>
-              <a:t>2023-04-20</a:t>
+              <a:t>2023-04-01</a:t>
             </a:fld>
             <a:endParaRPr lang="ko-KR" altLang="en-US"/>
           </a:p>
@@ -2639,7 +2639,7 @@
           <a:p>
             <a:fld id="{9A49D68B-5DBD-48E9-A8D4-FCBC4B3DD9C6}" type="datetime1">
               <a:rPr lang="ko-KR" altLang="en-US" smtClean="0"/>
-              <a:t>2023-04-20</a:t>
+              <a:t>2023-04-01</a:t>
             </a:fld>
             <a:endParaRPr lang="ko-KR" altLang="en-US"/>
           </a:p>
@@ -2914,7 +2914,7 @@
           <a:p>
             <a:fld id="{4CAB534F-7D16-467B-9320-91F98915D181}" type="datetime1">
               <a:rPr lang="ko-KR" altLang="en-US" smtClean="0"/>
-              <a:t>2023-04-20</a:t>
+              <a:t>2023-04-01</a:t>
             </a:fld>
             <a:endParaRPr lang="ko-KR" altLang="en-US"/>
           </a:p>
@@ -3166,7 +3166,7 @@
           <a:p>
             <a:fld id="{A390A91F-2F8D-4486-A69D-D680F95444B0}" type="datetime1">
               <a:rPr lang="ko-KR" altLang="en-US" smtClean="0"/>
-              <a:t>2023-04-20</a:t>
+              <a:t>2023-04-01</a:t>
             </a:fld>
             <a:endParaRPr lang="ko-KR" altLang="en-US"/>
           </a:p>
@@ -3345,7 +3345,7 @@
           <a:p>
             <a:fld id="{2238BBEA-E8DD-414A-BF68-FC2AFA7CFF2D}" type="datetime1">
               <a:rPr lang="ko-KR" altLang="en-US" smtClean="0"/>
-              <a:t>2023-04-20</a:t>
+              <a:t>2023-04-01</a:t>
             </a:fld>
             <a:endParaRPr lang="ko-KR" altLang="en-US"/>
           </a:p>
@@ -5624,67 +5624,15 @@
           </a:p>
         </p:txBody>
       </p:sp>
-      <p:sp>
-        <p:nvSpPr>
-          <p:cNvPr id="7" name="직사각형 6"/>
-          <p:cNvSpPr/>
-          <p:nvPr/>
-        </p:nvSpPr>
-        <p:spPr>
-          <a:xfrm>
-            <a:off x="992560" y="1268760"/>
-            <a:ext cx="6264696" cy="553998"/>
-          </a:xfrm>
-          <a:prstGeom prst="rect">
-            <a:avLst/>
-          </a:prstGeom>
-        </p:spPr>
-        <p:txBody>
-          <a:bodyPr wrap="square">
-            <a:spAutoFit/>
-          </a:bodyPr>
-          <a:lstStyle/>
-          <a:p>
-            <a:pPr marL="342900" indent="-342900">
-              <a:lnSpc>
-                <a:spcPct val="150000"/>
-              </a:lnSpc>
-              <a:buFont typeface="Wingdings" panose="05000000000000000000" pitchFamily="2" charset="2"/>
-              <a:buChar char="u"/>
-            </a:pPr>
-            <a:r>
-              <a:rPr lang="ko-KR" altLang="en-US" sz="2000" dirty="0" err="1"/>
-              <a:t>체질량</a:t>
-            </a:r>
-            <a:r>
-              <a:rPr lang="ko-KR" altLang="en-US" sz="2000" dirty="0"/>
-              <a:t> 지수 </a:t>
-            </a:r>
-            <a:r>
-              <a:rPr lang="en-US" altLang="ko-KR" sz="2000" dirty="0"/>
-              <a:t>BMI(Body Mass Index</a:t>
-            </a:r>
-            <a:r>
-              <a:rPr lang="en-US" altLang="ko-KR" sz="2000" dirty="0" smtClean="0"/>
-              <a:t>)</a:t>
-            </a:r>
-            <a:r>
-              <a:rPr lang="ko-KR" altLang="en-US" sz="2000" dirty="0" smtClean="0"/>
-              <a:t>계산하기</a:t>
-            </a:r>
-            <a:endParaRPr lang="en-US" altLang="ko-KR" sz="2000" dirty="0"/>
-          </a:p>
-        </p:txBody>
-      </p:sp>
       <p:pic>
         <p:nvPicPr>
-          <p:cNvPr id="5" name="그림 4"/>
+          <p:cNvPr id="3" name="그림 2"/>
           <p:cNvPicPr>
             <a:picLocks noChangeAspect="1"/>
           </p:cNvPicPr>
           <p:nvPr/>
         </p:nvPicPr>
-        <p:blipFill rotWithShape="1">
+        <p:blipFill>
           <a:blip r:embed="rId2">
             <a:extLst>
               <a:ext uri="{28A0092B-C50C-407E-A947-70E740481C1C}">
@@ -5692,13 +5640,14 @@
               </a:ext>
             </a:extLst>
           </a:blip>
-          <a:srcRect t="13453"/>
-          <a:stretch/>
+          <a:stretch>
+            <a:fillRect/>
+          </a:stretch>
         </p:blipFill>
         <p:spPr>
           <a:xfrm>
-            <a:off x="1712640" y="1810994"/>
-            <a:ext cx="4752528" cy="4849972"/>
+            <a:off x="1712640" y="1916832"/>
+            <a:ext cx="4752528" cy="4444968"/>
           </a:xfrm>
           <a:prstGeom prst="rect">
             <a:avLst/>
@@ -5714,13 +5663,65 @@
       </p:pic>
       <p:sp>
         <p:nvSpPr>
+          <p:cNvPr id="7" name="직사각형 6"/>
+          <p:cNvSpPr/>
+          <p:nvPr/>
+        </p:nvSpPr>
+        <p:spPr>
+          <a:xfrm>
+            <a:off x="992560" y="1268760"/>
+            <a:ext cx="6264696" cy="553998"/>
+          </a:xfrm>
+          <a:prstGeom prst="rect">
+            <a:avLst/>
+          </a:prstGeom>
+        </p:spPr>
+        <p:txBody>
+          <a:bodyPr wrap="square">
+            <a:spAutoFit/>
+          </a:bodyPr>
+          <a:lstStyle/>
+          <a:p>
+            <a:pPr marL="342900" indent="-342900">
+              <a:lnSpc>
+                <a:spcPct val="150000"/>
+              </a:lnSpc>
+              <a:buFont typeface="Wingdings" panose="05000000000000000000" pitchFamily="2" charset="2"/>
+              <a:buChar char="u"/>
+            </a:pPr>
+            <a:r>
+              <a:rPr lang="ko-KR" altLang="en-US" sz="2000" dirty="0" err="1"/>
+              <a:t>체질량</a:t>
+            </a:r>
+            <a:r>
+              <a:rPr lang="ko-KR" altLang="en-US" sz="2000" dirty="0"/>
+              <a:t> 지수 </a:t>
+            </a:r>
+            <a:r>
+              <a:rPr lang="en-US" altLang="ko-KR" sz="2000" dirty="0"/>
+              <a:t>BMI(Body Mass Index</a:t>
+            </a:r>
+            <a:r>
+              <a:rPr lang="en-US" altLang="ko-KR" sz="2000" dirty="0" smtClean="0"/>
+              <a:t>)</a:t>
+            </a:r>
+            <a:r>
+              <a:rPr lang="ko-KR" altLang="en-US" sz="2000" dirty="0" smtClean="0"/>
+              <a:t>계산하기</a:t>
+            </a:r>
+            <a:endParaRPr lang="en-US" altLang="ko-KR" sz="2000" dirty="0"/>
+          </a:p>
+        </p:txBody>
+      </p:sp>
+      <p:sp>
+        <p:nvSpPr>
           <p:cNvPr id="6" name="TextBox 5"/>
           <p:cNvSpPr txBox="1"/>
           <p:nvPr/>
         </p:nvSpPr>
         <p:spPr>
           <a:xfrm>
-            <a:off x="6033120" y="2636912"/>
+            <a:off x="6105128" y="2132856"/>
             <a:ext cx="1152128" cy="369332"/>
           </a:xfrm>
           <a:prstGeom prst="rect">
